--- a/Legacy.pptx
+++ b/Legacy.pptx
@@ -218,7 +218,7 @@
           <a:p>
             <a:fld id="{5A48F1FF-E838-482E-84BA-19767BE97F50}" type="datetimeFigureOut">
               <a:rPr lang="ru-RU" smtClean="0"/>
-              <a:t>30.04.2015</a:t>
+              <a:t>01.05.2015</a:t>
             </a:fld>
             <a:endParaRPr lang="ru-RU"/>
           </a:p>
@@ -986,7 +986,7 @@
           <a:p>
             <a:fld id="{CFAC327A-352E-47A3-9F39-2BAE15FE9326}" type="datetimeFigureOut">
               <a:rPr lang="ru-RU" smtClean="0"/>
-              <a:t>30.04.2015</a:t>
+              <a:t>01.05.2015</a:t>
             </a:fld>
             <a:endParaRPr lang="ru-RU"/>
           </a:p>
@@ -1163,7 +1163,7 @@
           <a:p>
             <a:fld id="{CFAC327A-352E-47A3-9F39-2BAE15FE9326}" type="datetimeFigureOut">
               <a:rPr lang="ru-RU" smtClean="0"/>
-              <a:t>30.04.2015</a:t>
+              <a:t>01.05.2015</a:t>
             </a:fld>
             <a:endParaRPr lang="ru-RU"/>
           </a:p>
@@ -1343,7 +1343,7 @@
           <a:p>
             <a:fld id="{CFAC327A-352E-47A3-9F39-2BAE15FE9326}" type="datetimeFigureOut">
               <a:rPr lang="ru-RU" smtClean="0"/>
-              <a:t>30.04.2015</a:t>
+              <a:t>01.05.2015</a:t>
             </a:fld>
             <a:endParaRPr lang="ru-RU"/>
           </a:p>
@@ -1522,7 +1522,7 @@
           <a:p>
             <a:fld id="{CFAC327A-352E-47A3-9F39-2BAE15FE9326}" type="datetimeFigureOut">
               <a:rPr lang="ru-RU" smtClean="0"/>
-              <a:t>30.04.2015</a:t>
+              <a:t>01.05.2015</a:t>
             </a:fld>
             <a:endParaRPr lang="ru-RU"/>
           </a:p>
@@ -1773,7 +1773,7 @@
           <a:p>
             <a:fld id="{CFAC327A-352E-47A3-9F39-2BAE15FE9326}" type="datetimeFigureOut">
               <a:rPr lang="ru-RU" smtClean="0"/>
-              <a:t>30.04.2015</a:t>
+              <a:t>01.05.2015</a:t>
             </a:fld>
             <a:endParaRPr lang="ru-RU"/>
           </a:p>
@@ -2012,7 +2012,7 @@
           <a:p>
             <a:fld id="{CFAC327A-352E-47A3-9F39-2BAE15FE9326}" type="datetimeFigureOut">
               <a:rPr lang="ru-RU" smtClean="0"/>
-              <a:t>30.04.2015</a:t>
+              <a:t>01.05.2015</a:t>
             </a:fld>
             <a:endParaRPr lang="ru-RU"/>
           </a:p>
@@ -2386,7 +2386,7 @@
           <a:p>
             <a:fld id="{CFAC327A-352E-47A3-9F39-2BAE15FE9326}" type="datetimeFigureOut">
               <a:rPr lang="ru-RU" smtClean="0"/>
-              <a:t>30.04.2015</a:t>
+              <a:t>01.05.2015</a:t>
             </a:fld>
             <a:endParaRPr lang="ru-RU"/>
           </a:p>
@@ -2504,7 +2504,7 @@
           <a:p>
             <a:fld id="{CFAC327A-352E-47A3-9F39-2BAE15FE9326}" type="datetimeFigureOut">
               <a:rPr lang="ru-RU" smtClean="0"/>
-              <a:t>30.04.2015</a:t>
+              <a:t>01.05.2015</a:t>
             </a:fld>
             <a:endParaRPr lang="ru-RU"/>
           </a:p>
@@ -2599,7 +2599,7 @@
           <a:p>
             <a:fld id="{CFAC327A-352E-47A3-9F39-2BAE15FE9326}" type="datetimeFigureOut">
               <a:rPr lang="ru-RU" smtClean="0"/>
-              <a:t>30.04.2015</a:t>
+              <a:t>01.05.2015</a:t>
             </a:fld>
             <a:endParaRPr lang="ru-RU"/>
           </a:p>
@@ -2876,7 +2876,7 @@
           <a:p>
             <a:fld id="{CFAC327A-352E-47A3-9F39-2BAE15FE9326}" type="datetimeFigureOut">
               <a:rPr lang="ru-RU" smtClean="0"/>
-              <a:t>30.04.2015</a:t>
+              <a:t>01.05.2015</a:t>
             </a:fld>
             <a:endParaRPr lang="ru-RU"/>
           </a:p>
@@ -3133,7 +3133,7 @@
           <a:p>
             <a:fld id="{CFAC327A-352E-47A3-9F39-2BAE15FE9326}" type="datetimeFigureOut">
               <a:rPr lang="ru-RU" smtClean="0"/>
-              <a:t>30.04.2015</a:t>
+              <a:t>01.05.2015</a:t>
             </a:fld>
             <a:endParaRPr lang="ru-RU"/>
           </a:p>
@@ -3346,7 +3346,7 @@
           <a:p>
             <a:fld id="{CFAC327A-352E-47A3-9F39-2BAE15FE9326}" type="datetimeFigureOut">
               <a:rPr lang="ru-RU" smtClean="0"/>
-              <a:t>30.04.2015</a:t>
+              <a:t>01.05.2015</a:t>
             </a:fld>
             <a:endParaRPr lang="ru-RU"/>
           </a:p>
@@ -5219,7 +5219,45 @@
             </a:r>
             <a:r>
               <a:rPr lang="ru-RU" dirty="0"/>
-              <a:t>неудобную зависимость в виртуальный метод и перегрузить в тестовом </a:t>
+              <a:t>неудобную </a:t>
+            </a:r>
+            <a:r>
+              <a:rPr lang="ru-RU"/>
+              <a:t>зависимость </a:t>
+            </a:r>
+            <a:r>
+              <a:rPr lang="ru-RU" smtClean="0"/>
+              <a:t/>
+            </a:r>
+            <a:br>
+              <a:rPr lang="ru-RU" smtClean="0"/>
+            </a:br>
+            <a:r>
+              <a:rPr lang="ru-RU" smtClean="0"/>
+              <a:t>в </a:t>
+            </a:r>
+            <a:r>
+              <a:rPr lang="ru-RU" dirty="0"/>
+              <a:t>виртуальный метод </a:t>
+            </a:r>
+            <a:r>
+              <a:rPr lang="ru-RU"/>
+              <a:t>и </a:t>
+            </a:r>
+            <a:r>
+              <a:rPr lang="ru-RU" smtClean="0"/>
+              <a:t>переопределить </a:t>
+            </a:r>
+            <a:br>
+              <a:rPr lang="ru-RU" smtClean="0"/>
+            </a:br>
+            <a:r>
+              <a:rPr lang="ru-RU" smtClean="0"/>
+              <a:t>в </a:t>
+            </a:r>
+            <a:r>
+              <a:rPr lang="ru-RU" dirty="0"/>
+              <a:t>тестовом </a:t>
             </a:r>
             <a:r>
               <a:rPr lang="ru-RU" dirty="0" smtClean="0"/>
@@ -6380,20 +6418,11 @@
           <a:p>
             <a:r>
               <a:rPr lang="ru-RU" dirty="0" smtClean="0"/>
-              <a:t>"Программистов" сильно больше, </a:t>
-            </a:r>
-            <a:br>
-              <a:rPr lang="ru-RU" dirty="0" smtClean="0"/>
-            </a:br>
-            <a:r>
-              <a:rPr lang="ru-RU" dirty="0" smtClean="0"/>
-              <a:t>			чем хороших программистов</a:t>
-            </a:r>
-          </a:p>
-          <a:p>
-            <a:r>
-              <a:rPr lang="ru-RU" dirty="0" smtClean="0"/>
-              <a:t>Успех идеи не зависит от качества кода</a:t>
+              <a:t>Успех </a:t>
+            </a:r>
+            <a:r>
+              <a:rPr lang="ru-RU" dirty="0" smtClean="0"/>
+              <a:t>идеи не зависит от качества кода</a:t>
             </a:r>
           </a:p>
           <a:p>
@@ -6603,55 +6632,6 @@
                                           <p:spTgt spid="3">
                                             <p:txEl>
                                               <p:pRg st="2" end="2"/>
-                                            </p:txEl>
-                                          </p:spTgt>
-                                        </p:tgtEl>
-                                        <p:attrNameLst>
-                                          <p:attrName>style.visibility</p:attrName>
-                                        </p:attrNameLst>
-                                      </p:cBhvr>
-                                      <p:to>
-                                        <p:strVal val="visible"/>
-                                      </p:to>
-                                    </p:set>
-                                  </p:childTnLst>
-                                </p:cTn>
-                              </p:par>
-                            </p:childTnLst>
-                          </p:cTn>
-                        </p:par>
-                      </p:childTnLst>
-                    </p:cTn>
-                  </p:par>
-                  <p:par>
-                    <p:cTn id="15" fill="hold">
-                      <p:stCondLst>
-                        <p:cond delay="indefinite"/>
-                      </p:stCondLst>
-                      <p:childTnLst>
-                        <p:par>
-                          <p:cTn id="16" fill="hold">
-                            <p:stCondLst>
-                              <p:cond delay="0"/>
-                            </p:stCondLst>
-                            <p:childTnLst>
-                              <p:par>
-                                <p:cTn id="17" presetID="1" presetClass="entr" presetSubtype="0" fill="hold" grpId="0" nodeType="clickEffect">
-                                  <p:stCondLst>
-                                    <p:cond delay="0"/>
-                                  </p:stCondLst>
-                                  <p:childTnLst>
-                                    <p:set>
-                                      <p:cBhvr>
-                                        <p:cTn id="18" dur="1" fill="hold">
-                                          <p:stCondLst>
-                                            <p:cond delay="0"/>
-                                          </p:stCondLst>
-                                        </p:cTn>
-                                        <p:tgtEl>
-                                          <p:spTgt spid="3">
-                                            <p:txEl>
-                                              <p:pRg st="3" end="3"/>
                                             </p:txEl>
                                           </p:spTgt>
                                         </p:tgtEl>
